--- a/images/sirius.pptx
+++ b/images/sirius.pptx
@@ -5,13 +5,14 @@
     <p:sldMasterId id="2147483648" r:id="rId1"/>
   </p:sldMasterIdLst>
   <p:notesMasterIdLst>
-    <p:notesMasterId r:id="rId3"/>
+    <p:notesMasterId r:id="rId4"/>
   </p:notesMasterIdLst>
   <p:handoutMasterIdLst>
-    <p:handoutMasterId r:id="rId4"/>
+    <p:handoutMasterId r:id="rId5"/>
   </p:handoutMasterIdLst>
   <p:sldIdLst>
     <p:sldId id="1924" r:id="rId2"/>
+    <p:sldId id="1925" r:id="rId3"/>
   </p:sldIdLst>
   <p:sldSz cx="12192000" cy="6858000"/>
   <p:notesSz cx="6858000" cy="9144000"/>
@@ -12167,31 +12168,6 @@
           </a:extLst>
         </p:spPr>
       </p:pic>
-      <p:sp>
-        <p:nvSpPr>
-          <p:cNvPr id="7" name="Title 6">
-            <a:extLst>
-              <a:ext uri="{FF2B5EF4-FFF2-40B4-BE49-F238E27FC236}">
-                <a16:creationId xmlns:a16="http://schemas.microsoft.com/office/drawing/2014/main" id="{049DF6DA-202B-2181-5BBB-33F05D269534}"/>
-              </a:ext>
-            </a:extLst>
-          </p:cNvPr>
-          <p:cNvSpPr>
-            <a:spLocks noGrp="1"/>
-          </p:cNvSpPr>
-          <p:nvPr>
-            <p:ph type="title"/>
-          </p:nvPr>
-        </p:nvSpPr>
-        <p:spPr/>
-        <p:txBody>
-          <a:bodyPr/>
-          <a:lstStyle/>
-          <a:p>
-            <a:endParaRPr lang="en-US"/>
-          </a:p>
-        </p:txBody>
-      </p:sp>
       <p:cxnSp>
         <p:nvCxnSpPr>
           <p:cNvPr id="15" name="Straight Arrow Connector 14">
@@ -12900,6 +12876,36 @@
     <p:extLst>
       <p:ext uri="{BB962C8B-B14F-4D97-AF65-F5344CB8AC3E}">
         <p14:creationId xmlns:p14="http://schemas.microsoft.com/office/powerpoint/2010/main" val="3319141171"/>
+      </p:ext>
+    </p:extLst>
+  </p:cSld>
+  <p:clrMapOvr>
+    <a:masterClrMapping/>
+  </p:clrMapOvr>
+</p:sld>
+</file>
+
+<file path=ppt/slides/slide2.xml><?xml version="1.0" encoding="utf-8"?>
+<p:sld xmlns:a="http://schemas.openxmlformats.org/drawingml/2006/main" xmlns:r="http://schemas.openxmlformats.org/officeDocument/2006/relationships" xmlns:p="http://schemas.openxmlformats.org/presentationml/2006/main">
+  <p:cSld>
+    <p:spTree>
+      <p:nvGrpSpPr>
+        <p:cNvPr id="1" name=""/>
+        <p:cNvGrpSpPr/>
+        <p:nvPr/>
+      </p:nvGrpSpPr>
+      <p:grpSpPr>
+        <a:xfrm>
+          <a:off x="0" y="0"/>
+          <a:ext cx="0" cy="0"/>
+          <a:chOff x="0" y="0"/>
+          <a:chExt cx="0" cy="0"/>
+        </a:xfrm>
+      </p:grpSpPr>
+    </p:spTree>
+    <p:extLst>
+      <p:ext uri="{BB962C8B-B14F-4D97-AF65-F5344CB8AC3E}">
+        <p14:creationId xmlns:p14="http://schemas.microsoft.com/office/powerpoint/2010/main" val="1147908132"/>
       </p:ext>
     </p:extLst>
   </p:cSld>

--- a/images/sirius.pptx
+++ b/images/sirius.pptx
@@ -236,7 +236,7 @@
           <a:p>
             <a:fld id="{7EB2E36C-C7F1-A649-BD8D-892231344011}" type="datetimeFigureOut">
               <a:rPr lang="en-US" smtClean="0"/>
-              <a:t>4/28/25</a:t>
+              <a:t>6/26/25</a:t>
             </a:fld>
             <a:endParaRPr lang="en-US"/>
           </a:p>
@@ -414,7 +414,7 @@
           <a:p>
             <a:fld id="{EF84C1F5-E02F-2B45-86CB-442E8929C618}" type="datetimeFigureOut">
               <a:rPr lang="en-US" smtClean="0"/>
-              <a:t>4/28/25</a:t>
+              <a:t>6/26/25</a:t>
             </a:fld>
             <a:endParaRPr lang="en-US"/>
           </a:p>
@@ -829,7 +829,7 @@
           <a:p>
             <a:fld id="{88399DE4-1F87-E94A-BCF1-7F887522246C}" type="datetime1">
               <a:rPr lang="en-US" smtClean="0"/>
-              <a:t>4/28/25</a:t>
+              <a:t>6/26/25</a:t>
             </a:fld>
             <a:endParaRPr lang="en-US"/>
           </a:p>
@@ -1027,7 +1027,7 @@
           <a:p>
             <a:fld id="{A01C7B7D-4933-A840-8E01-DF0FA15D46E5}" type="datetime1">
               <a:rPr lang="en-US" smtClean="0"/>
-              <a:t>4/28/25</a:t>
+              <a:t>6/26/25</a:t>
             </a:fld>
             <a:endParaRPr lang="en-US"/>
           </a:p>
@@ -1235,7 +1235,7 @@
           <a:p>
             <a:fld id="{D76A445E-2AC5-5543-9083-1FDF1F8903FB}" type="datetime1">
               <a:rPr lang="en-US" smtClean="0"/>
-              <a:t>4/28/25</a:t>
+              <a:t>6/26/25</a:t>
             </a:fld>
             <a:endParaRPr lang="en-US"/>
           </a:p>
@@ -1454,7 +1454,7 @@
           <a:p>
             <a:fld id="{BF4DC7A8-88B5-B342-B553-42E383A06AFA}" type="datetime1">
               <a:rPr lang="en-US" smtClean="0"/>
-              <a:t>4/28/25</a:t>
+              <a:t>6/26/25</a:t>
             </a:fld>
             <a:endParaRPr lang="en-US" dirty="0"/>
           </a:p>
@@ -1792,7 +1792,7 @@
           <a:p>
             <a:fld id="{647B99E4-F36C-394E-BA5E-690BA5F84319}" type="datetime1">
               <a:rPr lang="en-US" smtClean="0"/>
-              <a:t>4/28/25</a:t>
+              <a:t>6/26/25</a:t>
             </a:fld>
             <a:endParaRPr lang="en-US"/>
           </a:p>
@@ -2057,7 +2057,7 @@
           <a:p>
             <a:fld id="{9C616974-A347-7344-9909-61BA16120484}" type="datetime1">
               <a:rPr lang="en-US" smtClean="0"/>
-              <a:t>4/28/25</a:t>
+              <a:t>6/26/25</a:t>
             </a:fld>
             <a:endParaRPr lang="en-US"/>
           </a:p>
@@ -2469,7 +2469,7 @@
           <a:p>
             <a:fld id="{B72EE065-7F58-2247-B46F-AD8936280F97}" type="datetime1">
               <a:rPr lang="en-US" smtClean="0"/>
-              <a:t>4/28/25</a:t>
+              <a:t>6/26/25</a:t>
             </a:fld>
             <a:endParaRPr lang="en-US"/>
           </a:p>
@@ -2610,7 +2610,7 @@
           <a:p>
             <a:fld id="{BA3ADD25-FD41-1240-8FD7-68103DDDCED6}" type="datetime1">
               <a:rPr lang="en-US" smtClean="0"/>
-              <a:t>4/28/25</a:t>
+              <a:t>6/26/25</a:t>
             </a:fld>
             <a:endParaRPr lang="en-US"/>
           </a:p>
@@ -2723,7 +2723,7 @@
           <a:p>
             <a:fld id="{777B7BFD-4A4D-3047-90AA-197871139A2C}" type="datetime1">
               <a:rPr lang="en-US" smtClean="0"/>
-              <a:t>4/28/25</a:t>
+              <a:t>6/26/25</a:t>
             </a:fld>
             <a:endParaRPr lang="en-US"/>
           </a:p>
@@ -3034,7 +3034,7 @@
           <a:p>
             <a:fld id="{5B465C31-FE72-504A-BF03-6833BDD7BD22}" type="datetime1">
               <a:rPr lang="en-US" smtClean="0"/>
-              <a:t>4/28/25</a:t>
+              <a:t>6/26/25</a:t>
             </a:fld>
             <a:endParaRPr lang="en-US"/>
           </a:p>
@@ -3322,7 +3322,7 @@
           <a:p>
             <a:fld id="{9FDE7543-C766-DD4C-9CE0-E7C1283058B7}" type="datetime1">
               <a:rPr lang="en-US" smtClean="0"/>
-              <a:t>4/28/25</a:t>
+              <a:t>6/26/25</a:t>
             </a:fld>
             <a:endParaRPr lang="en-US"/>
           </a:p>
@@ -3564,7 +3564,7 @@
           <a:p>
             <a:fld id="{051DAB76-37FA-9343-80DD-4FFB032C4278}" type="datetime1">
               <a:rPr lang="en-US" smtClean="0"/>
-              <a:t>4/28/25</a:t>
+              <a:t>6/26/25</a:t>
             </a:fld>
             <a:endParaRPr lang="en-US"/>
           </a:p>
@@ -11891,7 +11891,7 @@
         <p:spPr>
           <a:xfrm>
             <a:off x="2833294" y="3940147"/>
-            <a:ext cx="4583306" cy="369332"/>
+            <a:ext cx="2771080" cy="369332"/>
           </a:xfrm>
           <a:prstGeom prst="rect">
             <a:avLst/>
@@ -11908,7 +11908,31 @@
               <a:rPr lang="en-US" altLang="zh-CN" b="1" dirty="0">
                 <a:latin typeface="Helvetica" pitchFamily="2" charset="0"/>
               </a:rPr>
-              <a:t>GPU-accelerated analytics query engine</a:t>
+              <a:t>GPU-native</a:t>
+            </a:r>
+            <a:r>
+              <a:rPr lang="zh-CN" altLang="en-US" b="1" dirty="0">
+                <a:latin typeface="Helvetica" pitchFamily="2" charset="0"/>
+              </a:rPr>
+              <a:t> </a:t>
+            </a:r>
+            <a:r>
+              <a:rPr lang="en-US" altLang="zh-CN" b="1" dirty="0">
+                <a:latin typeface="Helvetica" pitchFamily="2" charset="0"/>
+              </a:rPr>
+              <a:t>SQL</a:t>
+            </a:r>
+            <a:r>
+              <a:rPr lang="zh-CN" altLang="en-US" b="1" dirty="0">
+                <a:latin typeface="Helvetica" pitchFamily="2" charset="0"/>
+              </a:rPr>
+              <a:t> </a:t>
+            </a:r>
+            <a:r>
+              <a:rPr lang="en-US" altLang="zh-CN" b="1" dirty="0">
+                <a:latin typeface="Helvetica" pitchFamily="2" charset="0"/>
+              </a:rPr>
+              <a:t>engine</a:t>
             </a:r>
             <a:endParaRPr lang="en-US" b="1" dirty="0">
               <a:latin typeface="Helvetica" pitchFamily="2" charset="0"/>
